--- a/01_Association/02_Rollout/Présentation_Rollout.pptx
+++ b/01_Association/02_Rollout/Présentation_Rollout.pptx
@@ -6,10 +6,13 @@
   </p:sldMasterIdLst>
   <p:sldIdLst>
     <p:sldId id="256" r:id="rId2"/>
-    <p:sldId id="257" r:id="rId3"/>
-    <p:sldId id="258" r:id="rId4"/>
-    <p:sldId id="259" r:id="rId5"/>
-    <p:sldId id="260" r:id="rId6"/>
+    <p:sldId id="261" r:id="rId3"/>
+    <p:sldId id="257" r:id="rId4"/>
+    <p:sldId id="258" r:id="rId5"/>
+    <p:sldId id="259" r:id="rId6"/>
+    <p:sldId id="260" r:id="rId7"/>
+    <p:sldId id="263" r:id="rId8"/>
+    <p:sldId id="262" r:id="rId9"/>
   </p:sldIdLst>
   <p:sldSz cx="12192000" cy="6858000"/>
   <p:notesSz cx="6858000" cy="9144000"/>
@@ -206,7 +209,7 @@
           </a:lstStyle>
           <a:p>
             <a:r>
-              <a:rPr lang="fr-FR" smtClean="0"/>
+              <a:rPr lang="fr-FR"/>
               <a:t>Modifiez le style du titre</a:t>
             </a:r>
             <a:endParaRPr lang="en-US" dirty="0"/>
@@ -273,7 +276,7 @@
           </a:lstStyle>
           <a:p>
             <a:r>
-              <a:rPr lang="fr-FR" smtClean="0"/>
+              <a:rPr lang="fr-FR"/>
               <a:t>Modifiez le style des sous-titres du masque</a:t>
             </a:r>
             <a:endParaRPr lang="en-US" dirty="0"/>
@@ -391,7 +394,7 @@
           <a:lstStyle/>
           <a:p>
             <a:r>
-              <a:rPr lang="fr-FR" smtClean="0"/>
+              <a:rPr lang="fr-FR"/>
               <a:t>Modifiez le style du titre</a:t>
             </a:r>
             <a:endParaRPr lang="en-US" dirty="0"/>
@@ -415,35 +418,35 @@
           <a:p>
             <a:pPr lvl="0"/>
             <a:r>
-              <a:rPr lang="fr-FR" smtClean="0"/>
+              <a:rPr lang="fr-FR"/>
               <a:t>Modifiez les styles du texte du masque</a:t>
             </a:r>
           </a:p>
           <a:p>
             <a:pPr lvl="1"/>
             <a:r>
-              <a:rPr lang="fr-FR" smtClean="0"/>
+              <a:rPr lang="fr-FR"/>
               <a:t>Deuxième niveau</a:t>
             </a:r>
           </a:p>
           <a:p>
             <a:pPr lvl="2"/>
             <a:r>
-              <a:rPr lang="fr-FR" smtClean="0"/>
+              <a:rPr lang="fr-FR"/>
               <a:t>Troisième niveau</a:t>
             </a:r>
           </a:p>
           <a:p>
             <a:pPr lvl="3"/>
             <a:r>
-              <a:rPr lang="fr-FR" smtClean="0"/>
+              <a:rPr lang="fr-FR"/>
               <a:t>Quatrième niveau</a:t>
             </a:r>
           </a:p>
           <a:p>
             <a:pPr lvl="4"/>
             <a:r>
-              <a:rPr lang="fr-FR" smtClean="0"/>
+              <a:rPr lang="fr-FR"/>
               <a:t>Cinquième niveau</a:t>
             </a:r>
             <a:endParaRPr lang="en-US" dirty="0"/>
@@ -604,7 +607,7 @@
           <a:lstStyle/>
           <a:p>
             <a:r>
-              <a:rPr lang="fr-FR" smtClean="0"/>
+              <a:rPr lang="fr-FR"/>
               <a:t>Modifiez le style du titre</a:t>
             </a:r>
             <a:endParaRPr lang="en-US" dirty="0"/>
@@ -633,35 +636,35 @@
           <a:p>
             <a:pPr lvl="0"/>
             <a:r>
-              <a:rPr lang="fr-FR" smtClean="0"/>
+              <a:rPr lang="fr-FR"/>
               <a:t>Modifiez les styles du texte du masque</a:t>
             </a:r>
           </a:p>
           <a:p>
             <a:pPr lvl="1"/>
             <a:r>
-              <a:rPr lang="fr-FR" smtClean="0"/>
+              <a:rPr lang="fr-FR"/>
               <a:t>Deuxième niveau</a:t>
             </a:r>
           </a:p>
           <a:p>
             <a:pPr lvl="2"/>
             <a:r>
-              <a:rPr lang="fr-FR" smtClean="0"/>
+              <a:rPr lang="fr-FR"/>
               <a:t>Troisième niveau</a:t>
             </a:r>
           </a:p>
           <a:p>
             <a:pPr lvl="3"/>
             <a:r>
-              <a:rPr lang="fr-FR" smtClean="0"/>
+              <a:rPr lang="fr-FR"/>
               <a:t>Quatrième niveau</a:t>
             </a:r>
           </a:p>
           <a:p>
             <a:pPr lvl="4"/>
             <a:r>
-              <a:rPr lang="fr-FR" smtClean="0"/>
+              <a:rPr lang="fr-FR"/>
               <a:t>Cinquième niveau</a:t>
             </a:r>
             <a:endParaRPr lang="en-US" dirty="0"/>
@@ -794,7 +797,7 @@
           <a:lstStyle/>
           <a:p>
             <a:r>
-              <a:rPr lang="fr-FR" smtClean="0"/>
+              <a:rPr lang="fr-FR"/>
               <a:t>Modifiez le style du titre</a:t>
             </a:r>
             <a:endParaRPr lang="en-US" dirty="0"/>
@@ -818,35 +821,35 @@
           <a:p>
             <a:pPr lvl="0"/>
             <a:r>
-              <a:rPr lang="fr-FR" smtClean="0"/>
+              <a:rPr lang="fr-FR"/>
               <a:t>Modifiez les styles du texte du masque</a:t>
             </a:r>
           </a:p>
           <a:p>
             <a:pPr lvl="1"/>
             <a:r>
-              <a:rPr lang="fr-FR" smtClean="0"/>
+              <a:rPr lang="fr-FR"/>
               <a:t>Deuxième niveau</a:t>
             </a:r>
           </a:p>
           <a:p>
             <a:pPr lvl="2"/>
             <a:r>
-              <a:rPr lang="fr-FR" smtClean="0"/>
+              <a:rPr lang="fr-FR"/>
               <a:t>Troisième niveau</a:t>
             </a:r>
           </a:p>
           <a:p>
             <a:pPr lvl="3"/>
             <a:r>
-              <a:rPr lang="fr-FR" smtClean="0"/>
+              <a:rPr lang="fr-FR"/>
               <a:t>Quatrième niveau</a:t>
             </a:r>
           </a:p>
           <a:p>
             <a:pPr lvl="4"/>
             <a:r>
-              <a:rPr lang="fr-FR" smtClean="0"/>
+              <a:rPr lang="fr-FR"/>
               <a:t>Cinquième niveau</a:t>
             </a:r>
             <a:endParaRPr lang="en-US" dirty="0"/>
@@ -1025,7 +1028,7 @@
           </a:lstStyle>
           <a:p>
             <a:r>
-              <a:rPr lang="fr-FR" smtClean="0"/>
+              <a:rPr lang="fr-FR"/>
               <a:t>Modifiez le style du titre</a:t>
             </a:r>
             <a:endParaRPr lang="en-US" dirty="0"/>
@@ -1145,7 +1148,7 @@
           <a:p>
             <a:pPr lvl="0"/>
             <a:r>
-              <a:rPr lang="fr-FR" smtClean="0"/>
+              <a:rPr lang="fr-FR"/>
               <a:t>Modifiez les styles du texte du masque</a:t>
             </a:r>
           </a:p>
@@ -1288,7 +1291,7 @@
           <a:lstStyle/>
           <a:p>
             <a:r>
-              <a:rPr lang="fr-FR" smtClean="0"/>
+              <a:rPr lang="fr-FR"/>
               <a:t>Modifiez le style du titre</a:t>
             </a:r>
             <a:endParaRPr lang="en-US" dirty="0"/>
@@ -1345,35 +1348,35 @@
           <a:p>
             <a:pPr lvl="0"/>
             <a:r>
-              <a:rPr lang="fr-FR" smtClean="0"/>
+              <a:rPr lang="fr-FR"/>
               <a:t>Modifiez les styles du texte du masque</a:t>
             </a:r>
           </a:p>
           <a:p>
             <a:pPr lvl="1"/>
             <a:r>
-              <a:rPr lang="fr-FR" smtClean="0"/>
+              <a:rPr lang="fr-FR"/>
               <a:t>Deuxième niveau</a:t>
             </a:r>
           </a:p>
           <a:p>
             <a:pPr lvl="2"/>
             <a:r>
-              <a:rPr lang="fr-FR" smtClean="0"/>
+              <a:rPr lang="fr-FR"/>
               <a:t>Troisième niveau</a:t>
             </a:r>
           </a:p>
           <a:p>
             <a:pPr lvl="3"/>
             <a:r>
-              <a:rPr lang="fr-FR" smtClean="0"/>
+              <a:rPr lang="fr-FR"/>
               <a:t>Quatrième niveau</a:t>
             </a:r>
           </a:p>
           <a:p>
             <a:pPr lvl="4"/>
             <a:r>
-              <a:rPr lang="fr-FR" smtClean="0"/>
+              <a:rPr lang="fr-FR"/>
               <a:t>Cinquième niveau</a:t>
             </a:r>
             <a:endParaRPr lang="en-US" dirty="0"/>
@@ -1430,35 +1433,35 @@
           <a:p>
             <a:pPr lvl="0"/>
             <a:r>
-              <a:rPr lang="fr-FR" smtClean="0"/>
+              <a:rPr lang="fr-FR"/>
               <a:t>Modifiez les styles du texte du masque</a:t>
             </a:r>
           </a:p>
           <a:p>
             <a:pPr lvl="1"/>
             <a:r>
-              <a:rPr lang="fr-FR" smtClean="0"/>
+              <a:rPr lang="fr-FR"/>
               <a:t>Deuxième niveau</a:t>
             </a:r>
           </a:p>
           <a:p>
             <a:pPr lvl="2"/>
             <a:r>
-              <a:rPr lang="fr-FR" smtClean="0"/>
+              <a:rPr lang="fr-FR"/>
               <a:t>Troisième niveau</a:t>
             </a:r>
           </a:p>
           <a:p>
             <a:pPr lvl="3"/>
             <a:r>
-              <a:rPr lang="fr-FR" smtClean="0"/>
+              <a:rPr lang="fr-FR"/>
               <a:t>Quatrième niveau</a:t>
             </a:r>
           </a:p>
           <a:p>
             <a:pPr lvl="4"/>
             <a:r>
-              <a:rPr lang="fr-FR" smtClean="0"/>
+              <a:rPr lang="fr-FR"/>
               <a:t>Cinquième niveau</a:t>
             </a:r>
             <a:endParaRPr lang="en-US" dirty="0"/>
@@ -1576,7 +1579,7 @@
           <a:lstStyle/>
           <a:p>
             <a:r>
-              <a:rPr lang="fr-FR" smtClean="0"/>
+              <a:rPr lang="fr-FR"/>
               <a:t>Modifiez le style du titre</a:t>
             </a:r>
             <a:endParaRPr lang="en-US" dirty="0"/>
@@ -1644,7 +1647,7 @@
           <a:p>
             <a:pPr lvl="0"/>
             <a:r>
-              <a:rPr lang="fr-FR" smtClean="0"/>
+              <a:rPr lang="fr-FR"/>
               <a:t>Modifiez les styles du texte du masque</a:t>
             </a:r>
           </a:p>
@@ -1700,35 +1703,35 @@
           <a:p>
             <a:pPr lvl="0"/>
             <a:r>
-              <a:rPr lang="fr-FR" smtClean="0"/>
+              <a:rPr lang="fr-FR"/>
               <a:t>Modifiez les styles du texte du masque</a:t>
             </a:r>
           </a:p>
           <a:p>
             <a:pPr lvl="1"/>
             <a:r>
-              <a:rPr lang="fr-FR" smtClean="0"/>
+              <a:rPr lang="fr-FR"/>
               <a:t>Deuxième niveau</a:t>
             </a:r>
           </a:p>
           <a:p>
             <a:pPr lvl="2"/>
             <a:r>
-              <a:rPr lang="fr-FR" smtClean="0"/>
+              <a:rPr lang="fr-FR"/>
               <a:t>Troisième niveau</a:t>
             </a:r>
           </a:p>
           <a:p>
             <a:pPr lvl="3"/>
             <a:r>
-              <a:rPr lang="fr-FR" smtClean="0"/>
+              <a:rPr lang="fr-FR"/>
               <a:t>Quatrième niveau</a:t>
             </a:r>
           </a:p>
           <a:p>
             <a:pPr lvl="4"/>
             <a:r>
-              <a:rPr lang="fr-FR" smtClean="0"/>
+              <a:rPr lang="fr-FR"/>
               <a:t>Cinquième niveau</a:t>
             </a:r>
             <a:endParaRPr lang="en-US" dirty="0"/>
@@ -1796,7 +1799,7 @@
           <a:p>
             <a:pPr lvl="0"/>
             <a:r>
-              <a:rPr lang="fr-FR" smtClean="0"/>
+              <a:rPr lang="fr-FR"/>
               <a:t>Modifiez les styles du texte du masque</a:t>
             </a:r>
           </a:p>
@@ -1852,35 +1855,35 @@
           <a:p>
             <a:pPr lvl="0"/>
             <a:r>
-              <a:rPr lang="fr-FR" smtClean="0"/>
+              <a:rPr lang="fr-FR"/>
               <a:t>Modifiez les styles du texte du masque</a:t>
             </a:r>
           </a:p>
           <a:p>
             <a:pPr lvl="1"/>
             <a:r>
-              <a:rPr lang="fr-FR" smtClean="0"/>
+              <a:rPr lang="fr-FR"/>
               <a:t>Deuxième niveau</a:t>
             </a:r>
           </a:p>
           <a:p>
             <a:pPr lvl="2"/>
             <a:r>
-              <a:rPr lang="fr-FR" smtClean="0"/>
+              <a:rPr lang="fr-FR"/>
               <a:t>Troisième niveau</a:t>
             </a:r>
           </a:p>
           <a:p>
             <a:pPr lvl="3"/>
             <a:r>
-              <a:rPr lang="fr-FR" smtClean="0"/>
+              <a:rPr lang="fr-FR"/>
               <a:t>Quatrième niveau</a:t>
             </a:r>
           </a:p>
           <a:p>
             <a:pPr lvl="4"/>
             <a:r>
-              <a:rPr lang="fr-FR" smtClean="0"/>
+              <a:rPr lang="fr-FR"/>
               <a:t>Cinquième niveau</a:t>
             </a:r>
             <a:endParaRPr lang="en-US" dirty="0"/>
@@ -1998,7 +2001,7 @@
           <a:lstStyle/>
           <a:p>
             <a:r>
-              <a:rPr lang="fr-FR" smtClean="0"/>
+              <a:rPr lang="fr-FR"/>
               <a:t>Modifiez le style du titre</a:t>
             </a:r>
             <a:endParaRPr lang="en-US" dirty="0"/>
@@ -2211,7 +2214,7 @@
           <a:lstStyle/>
           <a:p>
             <a:r>
-              <a:rPr lang="fr-FR" smtClean="0"/>
+              <a:rPr lang="fr-FR"/>
               <a:t>Modifiez le style du titre</a:t>
             </a:r>
             <a:endParaRPr lang="en-US" dirty="0"/>
@@ -2268,35 +2271,35 @@
           <a:p>
             <a:pPr lvl="0"/>
             <a:r>
-              <a:rPr lang="fr-FR" smtClean="0"/>
+              <a:rPr lang="fr-FR"/>
               <a:t>Modifiez les styles du texte du masque</a:t>
             </a:r>
           </a:p>
           <a:p>
             <a:pPr lvl="1"/>
             <a:r>
-              <a:rPr lang="fr-FR" smtClean="0"/>
+              <a:rPr lang="fr-FR"/>
               <a:t>Deuxième niveau</a:t>
             </a:r>
           </a:p>
           <a:p>
             <a:pPr lvl="2"/>
             <a:r>
-              <a:rPr lang="fr-FR" smtClean="0"/>
+              <a:rPr lang="fr-FR"/>
               <a:t>Troisième niveau</a:t>
             </a:r>
           </a:p>
           <a:p>
             <a:pPr lvl="3"/>
             <a:r>
-              <a:rPr lang="fr-FR" smtClean="0"/>
+              <a:rPr lang="fr-FR"/>
               <a:t>Quatrième niveau</a:t>
             </a:r>
           </a:p>
           <a:p>
             <a:pPr lvl="4"/>
             <a:r>
-              <a:rPr lang="fr-FR" smtClean="0"/>
+              <a:rPr lang="fr-FR"/>
               <a:t>Cinquième niveau</a:t>
             </a:r>
             <a:endParaRPr lang="en-US" dirty="0"/>
@@ -2367,7 +2370,7 @@
           <a:p>
             <a:pPr lvl="0"/>
             <a:r>
-              <a:rPr lang="fr-FR" smtClean="0"/>
+              <a:rPr lang="fr-FR"/>
               <a:t>Modifiez les styles du texte du masque</a:t>
             </a:r>
           </a:p>
@@ -2484,7 +2487,7 @@
           <a:lstStyle/>
           <a:p>
             <a:r>
-              <a:rPr lang="fr-FR" smtClean="0"/>
+              <a:rPr lang="fr-FR"/>
               <a:t>Modifiez le style du titre</a:t>
             </a:r>
             <a:endParaRPr lang="en-US" dirty="0"/>
@@ -2561,7 +2564,7 @@
           </a:lstStyle>
           <a:p>
             <a:r>
-              <a:rPr lang="fr-FR" smtClean="0"/>
+              <a:rPr lang="fr-FR"/>
               <a:t>Cliquez sur l'icône pour ajouter une image</a:t>
             </a:r>
             <a:endParaRPr lang="en-US" dirty="0"/>
@@ -2632,7 +2635,7 @@
           <a:p>
             <a:pPr lvl="0"/>
             <a:r>
-              <a:rPr lang="fr-FR" smtClean="0"/>
+              <a:rPr lang="fr-FR"/>
               <a:t>Modifiez les styles du texte du masque</a:t>
             </a:r>
           </a:p>
@@ -2802,7 +2805,7 @@
           <a:lstStyle/>
           <a:p>
             <a:r>
-              <a:rPr lang="fr-FR" smtClean="0"/>
+              <a:rPr lang="fr-FR"/>
               <a:t>Modifiez le style du titre</a:t>
             </a:r>
             <a:endParaRPr lang="en-US" dirty="0"/>
@@ -2836,35 +2839,35 @@
           <a:p>
             <a:pPr lvl="0"/>
             <a:r>
-              <a:rPr lang="fr-FR" smtClean="0"/>
+              <a:rPr lang="fr-FR"/>
               <a:t>Modifiez les styles du texte du masque</a:t>
             </a:r>
           </a:p>
           <a:p>
             <a:pPr lvl="1"/>
             <a:r>
-              <a:rPr lang="fr-FR" smtClean="0"/>
+              <a:rPr lang="fr-FR"/>
               <a:t>Deuxième niveau</a:t>
             </a:r>
           </a:p>
           <a:p>
             <a:pPr lvl="2"/>
             <a:r>
-              <a:rPr lang="fr-FR" smtClean="0"/>
+              <a:rPr lang="fr-FR"/>
               <a:t>Troisième niveau</a:t>
             </a:r>
           </a:p>
           <a:p>
             <a:pPr lvl="3"/>
             <a:r>
-              <a:rPr lang="fr-FR" smtClean="0"/>
+              <a:rPr lang="fr-FR"/>
               <a:t>Quatrième niveau</a:t>
             </a:r>
           </a:p>
           <a:p>
             <a:pPr lvl="4"/>
             <a:r>
-              <a:rPr lang="fr-FR" smtClean="0"/>
+              <a:rPr lang="fr-FR"/>
               <a:t>Cinquième niveau</a:t>
             </a:r>
             <a:endParaRPr lang="en-US" dirty="0"/>
@@ -3384,13 +3387,13 @@
           <a:lstStyle/>
           <a:p>
             <a:r>
-              <a:rPr lang="fr-FR" sz="3600" b="1" dirty="0" smtClean="0">
+              <a:rPr lang="fr-FR" sz="3600" b="1" dirty="0">
                 <a:latin typeface="Century Gothic" panose="020B0502020202020204" pitchFamily="34" charset="0"/>
               </a:rPr>
               <a:t>Lancement du </a:t>
             </a:r>
             <a:r>
-              <a:rPr lang="fr-FR" sz="3600" b="1" dirty="0" err="1" smtClean="0">
+              <a:rPr lang="fr-FR" sz="3600" b="1" dirty="0" err="1">
                 <a:latin typeface="Century Gothic" panose="020B0502020202020204" pitchFamily="34" charset="0"/>
               </a:rPr>
               <a:t>Rollout</a:t>
@@ -3642,14 +3645,11 @@
           </a:lstStyle>
           <a:p>
             <a:r>
-              <a:rPr lang="fr-FR" sz="3200" dirty="0" smtClean="0">
+              <a:rPr lang="fr-FR" sz="3200" dirty="0">
                 <a:latin typeface="Century Gothic" panose="020B0502020202020204" pitchFamily="34" charset="0"/>
               </a:rPr>
               <a:t>Vendredi 15 Février 2019</a:t>
             </a:r>
-            <a:endParaRPr lang="fr-FR" sz="3200" dirty="0">
-              <a:latin typeface="Century Gothic" panose="020B0502020202020204" pitchFamily="34" charset="0"/>
-            </a:endParaRPr>
           </a:p>
         </p:txBody>
       </p:sp>
@@ -3693,13 +3693,6 @@
   <p:clrMapOvr>
     <a:masterClrMapping/>
   </p:clrMapOvr>
-  <p:timing>
-    <p:tnLst>
-      <p:par>
-        <p:cTn id="1" dur="indefinite" restart="never" nodeType="tmRoot"/>
-      </p:par>
-    </p:tnLst>
-  </p:timing>
 </p:sld>
 </file>
 
@@ -3736,87 +3729,84 @@
           <a:lstStyle/>
           <a:p>
             <a:r>
-              <a:rPr lang="fr-FR" dirty="0" smtClean="0"/>
-              <a:t>Format</a:t>
+              <a:rPr lang="fr-FR" dirty="0"/>
+              <a:t>Objectifs et motivation</a:t>
+            </a:r>
+          </a:p>
+        </p:txBody>
+      </p:sp>
+      <p:sp>
+        <p:nvSpPr>
+          <p:cNvPr id="5" name="Espace réservé du contenu 4"/>
+          <p:cNvSpPr>
+            <a:spLocks noGrp="1"/>
+          </p:cNvSpPr>
+          <p:nvPr>
+            <p:ph idx="1"/>
+          </p:nvPr>
+        </p:nvSpPr>
+        <p:spPr/>
+        <p:txBody>
+          <a:bodyPr/>
+          <a:lstStyle/>
+          <a:p>
+            <a:r>
+              <a:rPr lang="fr-FR" dirty="0"/>
+              <a:t>Organiser un événement majeur de saison</a:t>
+            </a:r>
+          </a:p>
+          <a:p>
+            <a:r>
+              <a:rPr lang="fr-FR" dirty="0"/>
+              <a:t>Demande expresse de F. </a:t>
+            </a:r>
+            <a:r>
+              <a:rPr lang="fr-FR" dirty="0" err="1"/>
+              <a:t>Debouck</a:t>
             </a:r>
             <a:endParaRPr lang="fr-FR" dirty="0"/>
           </a:p>
-        </p:txBody>
-      </p:sp>
-      <p:sp>
-        <p:nvSpPr>
-          <p:cNvPr id="3" name="Espace réservé du contenu 2"/>
-          <p:cNvSpPr>
-            <a:spLocks noGrp="1"/>
-          </p:cNvSpPr>
-          <p:nvPr>
-            <p:ph idx="1"/>
-          </p:nvPr>
-        </p:nvSpPr>
-        <p:spPr>
-          <a:xfrm>
-            <a:off x="7297271" y="2011680"/>
-            <a:ext cx="3689728" cy="4206240"/>
-          </a:xfrm>
-        </p:spPr>
-        <p:txBody>
-          <a:bodyPr/>
-          <a:lstStyle/>
-          <a:p>
-            <a:r>
-              <a:rPr lang="fr-FR" dirty="0" smtClean="0"/>
-              <a:t>Event en amphi</a:t>
-            </a:r>
-          </a:p>
-          <a:p>
-            <a:r>
-              <a:rPr lang="fr-FR" dirty="0" smtClean="0"/>
-              <a:t>Invités ?</a:t>
-            </a:r>
-          </a:p>
-          <a:p>
-            <a:r>
-              <a:rPr lang="fr-FR" dirty="0" smtClean="0"/>
-              <a:t>Presse ?</a:t>
-            </a:r>
-          </a:p>
-          <a:p>
-            <a:r>
-              <a:rPr lang="fr-FR" dirty="0" smtClean="0"/>
-              <a:t>Lieu ?</a:t>
+          <a:p>
+            <a:r>
+              <a:rPr lang="fr-FR" dirty="0"/>
+              <a:t>Présenter le véhicule </a:t>
+            </a:r>
+            <a:r>
+              <a:rPr lang="fr-FR" dirty="0" err="1"/>
+              <a:t>Optimus</a:t>
             </a:r>
             <a:endParaRPr lang="fr-FR" dirty="0"/>
           </a:p>
-        </p:txBody>
-      </p:sp>
-      <p:pic>
-        <p:nvPicPr>
-          <p:cNvPr id="4" name="Image 3"/>
-          <p:cNvPicPr>
-            <a:picLocks noChangeAspect="1"/>
-          </p:cNvPicPr>
-          <p:nvPr/>
-        </p:nvPicPr>
-        <p:blipFill>
-          <a:blip r:embed="rId2"/>
-          <a:stretch>
-            <a:fillRect/>
-          </a:stretch>
-        </p:blipFill>
-        <p:spPr>
-          <a:xfrm>
-            <a:off x="0" y="1864654"/>
-            <a:ext cx="6970759" cy="3616325"/>
-          </a:xfrm>
-          <a:prstGeom prst="rect">
-            <a:avLst/>
-          </a:prstGeom>
-        </p:spPr>
-      </p:pic>
+          <a:p>
+            <a:r>
+              <a:rPr lang="fr-FR" dirty="0"/>
+              <a:t>Remercier les sponsors</a:t>
+            </a:r>
+          </a:p>
+          <a:p>
+            <a:r>
+              <a:rPr lang="fr-FR" dirty="0"/>
+              <a:t>Lancer « officiellement » la saison d’essais</a:t>
+            </a:r>
+          </a:p>
+          <a:p>
+            <a:r>
+              <a:rPr lang="fr-FR" dirty="0"/>
+              <a:t>Créer de l’engouement autour de notre projet</a:t>
+            </a:r>
+          </a:p>
+          <a:p>
+            <a:r>
+              <a:rPr lang="fr-FR" dirty="0"/>
+              <a:t>Motiver toute l’équipe</a:t>
+            </a:r>
+          </a:p>
+        </p:txBody>
+      </p:sp>
     </p:spTree>
     <p:extLst>
       <p:ext uri="{BB962C8B-B14F-4D97-AF65-F5344CB8AC3E}">
-        <p14:creationId xmlns:p14="http://schemas.microsoft.com/office/powerpoint/2010/main" val="3050346827"/>
+        <p14:creationId xmlns:p14="http://schemas.microsoft.com/office/powerpoint/2010/main" val="1442857226"/>
       </p:ext>
     </p:extLst>
   </p:cSld>
@@ -3859,16 +3849,15 @@
           <a:lstStyle/>
           <a:p>
             <a:r>
-              <a:rPr lang="fr-FR" dirty="0" smtClean="0"/>
-              <a:t>Date</a:t>
-            </a:r>
-            <a:endParaRPr lang="fr-FR" dirty="0"/>
-          </a:p>
-        </p:txBody>
-      </p:sp>
-      <p:sp>
-        <p:nvSpPr>
-          <p:cNvPr id="5" name="Espace réservé du contenu 4"/>
+              <a:rPr lang="fr-FR" dirty="0"/>
+              <a:t>Format</a:t>
+            </a:r>
+          </a:p>
+        </p:txBody>
+      </p:sp>
+      <p:sp>
+        <p:nvSpPr>
+          <p:cNvPr id="3" name="Espace réservé du contenu 2"/>
           <p:cNvSpPr>
             <a:spLocks noGrp="1"/>
           </p:cNvSpPr>
@@ -3876,19 +3865,84 @@
             <p:ph idx="1"/>
           </p:nvPr>
         </p:nvSpPr>
-        <p:spPr/>
-        <p:txBody>
-          <a:bodyPr/>
-          <a:lstStyle/>
-          <a:p>
-            <a:endParaRPr lang="fr-FR"/>
-          </a:p>
-        </p:txBody>
-      </p:sp>
+        <p:spPr>
+          <a:xfrm>
+            <a:off x="7297271" y="2011680"/>
+            <a:ext cx="3689728" cy="4206240"/>
+          </a:xfrm>
+        </p:spPr>
+        <p:txBody>
+          <a:bodyPr/>
+          <a:lstStyle/>
+          <a:p>
+            <a:pPr marL="0" indent="0">
+              <a:buNone/>
+            </a:pPr>
+            <a:r>
+              <a:rPr lang="fr-FR" dirty="0"/>
+              <a:t>Reste a déterminer :</a:t>
+            </a:r>
+          </a:p>
+          <a:p>
+            <a:r>
+              <a:rPr lang="fr-FR" dirty="0"/>
+              <a:t>Date ?</a:t>
+            </a:r>
+          </a:p>
+          <a:p>
+            <a:r>
+              <a:rPr lang="fr-FR" dirty="0"/>
+              <a:t>Invités ?</a:t>
+            </a:r>
+          </a:p>
+          <a:p>
+            <a:r>
+              <a:rPr lang="fr-FR" dirty="0"/>
+              <a:t>Presse ?</a:t>
+            </a:r>
+          </a:p>
+          <a:p>
+            <a:r>
+              <a:rPr lang="fr-FR" dirty="0"/>
+              <a:t>Lieu ?</a:t>
+            </a:r>
+          </a:p>
+          <a:p>
+            <a:r>
+              <a:rPr lang="fr-FR" dirty="0"/>
+              <a:t>Contenu ?</a:t>
+            </a:r>
+          </a:p>
+        </p:txBody>
+      </p:sp>
+      <p:pic>
+        <p:nvPicPr>
+          <p:cNvPr id="4" name="Image 3"/>
+          <p:cNvPicPr>
+            <a:picLocks noChangeAspect="1"/>
+          </p:cNvPicPr>
+          <p:nvPr/>
+        </p:nvPicPr>
+        <p:blipFill>
+          <a:blip r:embed="rId2"/>
+          <a:stretch>
+            <a:fillRect/>
+          </a:stretch>
+        </p:blipFill>
+        <p:spPr>
+          <a:xfrm>
+            <a:off x="0" y="2601595"/>
+            <a:ext cx="6970759" cy="3616325"/>
+          </a:xfrm>
+          <a:prstGeom prst="rect">
+            <a:avLst/>
+          </a:prstGeom>
+        </p:spPr>
+      </p:pic>
     </p:spTree>
     <p:extLst>
       <p:ext uri="{BB962C8B-B14F-4D97-AF65-F5344CB8AC3E}">
-        <p14:creationId xmlns:p14="http://schemas.microsoft.com/office/powerpoint/2010/main" val="566253670"/>
+        <p14:creationId xmlns:p14="http://schemas.microsoft.com/office/powerpoint/2010/main" val="3050346827"/>
       </p:ext>
     </p:extLst>
   </p:cSld>
@@ -3931,10 +3985,9 @@
           <a:lstStyle/>
           <a:p>
             <a:r>
-              <a:rPr lang="fr-FR" dirty="0" smtClean="0"/>
-              <a:t>Liste des volontaires</a:t>
-            </a:r>
-            <a:endParaRPr lang="fr-FR" dirty="0"/>
+              <a:rPr lang="fr-FR" dirty="0"/>
+              <a:t>Date</a:t>
+            </a:r>
           </a:p>
         </p:txBody>
       </p:sp>
@@ -3953,32 +4006,14 @@
           <a:bodyPr/>
           <a:lstStyle/>
           <a:p>
-            <a:r>
-              <a:rPr lang="fr-FR" dirty="0" smtClean="0"/>
-              <a:t>PTN</a:t>
-            </a:r>
-          </a:p>
-          <a:p>
-            <a:r>
-              <a:rPr lang="fr-FR" dirty="0" smtClean="0"/>
-              <a:t>NGO</a:t>
-            </a:r>
-          </a:p>
-          <a:p>
-            <a:r>
-              <a:rPr lang="fr-FR" dirty="0" smtClean="0"/>
-              <a:t>…</a:t>
-            </a:r>
-          </a:p>
-          <a:p>
-            <a:endParaRPr lang="fr-FR" dirty="0"/>
+            <a:endParaRPr lang="fr-FR"/>
           </a:p>
         </p:txBody>
       </p:sp>
     </p:spTree>
     <p:extLst>
       <p:ext uri="{BB962C8B-B14F-4D97-AF65-F5344CB8AC3E}">
-        <p14:creationId xmlns:p14="http://schemas.microsoft.com/office/powerpoint/2010/main" val="733240882"/>
+        <p14:creationId xmlns:p14="http://schemas.microsoft.com/office/powerpoint/2010/main" val="566253670"/>
       </p:ext>
     </p:extLst>
   </p:cSld>
@@ -4021,11 +4056,100 @@
           <a:lstStyle/>
           <a:p>
             <a:r>
-              <a:rPr lang="fr-FR" dirty="0" smtClean="0"/>
+              <a:rPr lang="fr-FR" dirty="0"/>
+              <a:t>Liste des volontaires</a:t>
+            </a:r>
+          </a:p>
+        </p:txBody>
+      </p:sp>
+      <p:sp>
+        <p:nvSpPr>
+          <p:cNvPr id="5" name="Espace réservé du contenu 4"/>
+          <p:cNvSpPr>
+            <a:spLocks noGrp="1"/>
+          </p:cNvSpPr>
+          <p:nvPr>
+            <p:ph idx="1"/>
+          </p:nvPr>
+        </p:nvSpPr>
+        <p:spPr/>
+        <p:txBody>
+          <a:bodyPr/>
+          <a:lstStyle/>
+          <a:p>
+            <a:r>
+              <a:rPr lang="fr-FR" dirty="0"/>
+              <a:t>PTN</a:t>
+            </a:r>
+          </a:p>
+          <a:p>
+            <a:r>
+              <a:rPr lang="fr-FR" dirty="0"/>
+              <a:t>NGO</a:t>
+            </a:r>
+          </a:p>
+          <a:p>
+            <a:r>
+              <a:rPr lang="fr-FR" dirty="0"/>
+              <a:t>…</a:t>
+            </a:r>
+          </a:p>
+          <a:p>
+            <a:endParaRPr lang="fr-FR" dirty="0"/>
+          </a:p>
+        </p:txBody>
+      </p:sp>
+    </p:spTree>
+    <p:extLst>
+      <p:ext uri="{BB962C8B-B14F-4D97-AF65-F5344CB8AC3E}">
+        <p14:creationId xmlns:p14="http://schemas.microsoft.com/office/powerpoint/2010/main" val="733240882"/>
+      </p:ext>
+    </p:extLst>
+  </p:cSld>
+  <p:clrMapOvr>
+    <a:masterClrMapping/>
+  </p:clrMapOvr>
+</p:sld>
+</file>
+
+<file path=ppt/slides/slide6.xml><?xml version="1.0" encoding="utf-8"?>
+<p:sld xmlns:a="http://schemas.openxmlformats.org/drawingml/2006/main" xmlns:r="http://schemas.openxmlformats.org/officeDocument/2006/relationships" xmlns:p="http://schemas.openxmlformats.org/presentationml/2006/main">
+  <p:cSld>
+    <p:spTree>
+      <p:nvGrpSpPr>
+        <p:cNvPr id="1" name=""/>
+        <p:cNvGrpSpPr/>
+        <p:nvPr/>
+      </p:nvGrpSpPr>
+      <p:grpSpPr>
+        <a:xfrm>
+          <a:off x="0" y="0"/>
+          <a:ext cx="0" cy="0"/>
+          <a:chOff x="0" y="0"/>
+          <a:chExt cx="0" cy="0"/>
+        </a:xfrm>
+      </p:grpSpPr>
+      <p:sp>
+        <p:nvSpPr>
+          <p:cNvPr id="2" name="Titre 1"/>
+          <p:cNvSpPr>
+            <a:spLocks noGrp="1"/>
+          </p:cNvSpPr>
+          <p:nvPr>
+            <p:ph type="title"/>
+          </p:nvPr>
+        </p:nvSpPr>
+        <p:spPr/>
+        <p:txBody>
+          <a:bodyPr/>
+          <a:lstStyle/>
+          <a:p>
+            <a:r>
+              <a:rPr lang="fr-FR" dirty="0"/>
               <a:t>Proposition de </a:t>
             </a:r>
             <a:r>
-              <a:rPr lang="fr-FR" smtClean="0"/>
+              <a:rPr lang="fr-FR"/>
               <a:t>timeline</a:t>
             </a:r>
             <a:endParaRPr lang="fr-FR" dirty="0"/>
@@ -4050,114 +4174,120 @@
         </p:spPr>
         <p:txBody>
           <a:bodyPr>
-            <a:normAutofit fontScale="92500" lnSpcReduction="10000"/>
+            <a:normAutofit fontScale="92500" lnSpcReduction="20000"/>
           </a:bodyPr>
           <a:lstStyle/>
           <a:p>
             <a:r>
-              <a:rPr lang="fr-FR" dirty="0" smtClean="0"/>
-              <a:t>Présentation EPSA (3min)</a:t>
-            </a:r>
-          </a:p>
-          <a:p>
-            <a:r>
-              <a:rPr lang="fr-FR" dirty="0" smtClean="0"/>
+              <a:rPr lang="fr-FR" dirty="0"/>
+              <a:t>Présentation EPSA (3min) + vidéos</a:t>
+            </a:r>
+          </a:p>
+          <a:p>
+            <a:r>
+              <a:rPr lang="fr-FR" dirty="0"/>
               <a:t>Retour rapide sur </a:t>
             </a:r>
             <a:r>
-              <a:rPr lang="fr-FR" dirty="0" err="1" smtClean="0"/>
+              <a:rPr lang="fr-FR" dirty="0" err="1"/>
               <a:t>Vulcanix</a:t>
             </a:r>
             <a:r>
-              <a:rPr lang="fr-FR" dirty="0" smtClean="0"/>
+              <a:rPr lang="fr-FR" dirty="0"/>
               <a:t> et les années précédentes (2min)</a:t>
             </a:r>
           </a:p>
           <a:p>
             <a:r>
-              <a:rPr lang="fr-FR" dirty="0" smtClean="0"/>
+              <a:rPr lang="fr-FR" dirty="0"/>
               <a:t>Présentation des objectifs de notre projet (4min)</a:t>
             </a:r>
           </a:p>
           <a:p>
             <a:r>
-              <a:rPr lang="fr-FR" dirty="0" smtClean="0"/>
+              <a:rPr lang="fr-FR" dirty="0"/>
               <a:t>Présentation de nos moyens (humains, financiers, matériels) (4min)</a:t>
             </a:r>
           </a:p>
           <a:p>
             <a:r>
-              <a:rPr lang="fr-FR" dirty="0" smtClean="0"/>
+              <a:rPr lang="fr-FR" dirty="0"/>
               <a:t>Présentation de la conception détaillée de chaque département (3min/</a:t>
             </a:r>
             <a:r>
-              <a:rPr lang="fr-FR" dirty="0" err="1" smtClean="0"/>
+              <a:rPr lang="fr-FR" dirty="0" err="1"/>
               <a:t>dep</a:t>
             </a:r>
             <a:r>
-              <a:rPr lang="fr-FR" dirty="0" smtClean="0"/>
+              <a:rPr lang="fr-FR" dirty="0"/>
               <a:t>)</a:t>
             </a:r>
           </a:p>
           <a:p>
             <a:r>
-              <a:rPr lang="fr-FR" dirty="0" smtClean="0"/>
+              <a:rPr lang="fr-FR" dirty="0"/>
+              <a:t>Vidéo d’intégration (elle arrive ^^)</a:t>
+            </a:r>
+          </a:p>
+          <a:p>
+            <a:r>
+              <a:rPr lang="fr-FR" dirty="0"/>
               <a:t>Rapide passage sur la </a:t>
             </a:r>
             <a:r>
-              <a:rPr lang="fr-FR" dirty="0" err="1" smtClean="0"/>
+              <a:rPr lang="fr-FR" dirty="0" err="1"/>
               <a:t>prod</a:t>
             </a:r>
             <a:r>
-              <a:rPr lang="fr-FR" dirty="0" smtClean="0"/>
+              <a:rPr lang="fr-FR" dirty="0"/>
               <a:t>, l’</a:t>
             </a:r>
             <a:r>
-              <a:rPr lang="fr-FR" dirty="0" err="1" smtClean="0"/>
+              <a:rPr lang="fr-FR" dirty="0" err="1"/>
               <a:t>integration</a:t>
             </a:r>
             <a:r>
-              <a:rPr lang="fr-FR" dirty="0" smtClean="0"/>
+              <a:rPr lang="fr-FR" dirty="0"/>
               <a:t> (3min)</a:t>
             </a:r>
           </a:p>
           <a:p>
             <a:r>
-              <a:rPr lang="fr-FR" dirty="0" smtClean="0"/>
+              <a:rPr lang="fr-FR" dirty="0"/>
               <a:t>Remerciement (2min)</a:t>
             </a:r>
           </a:p>
           <a:p>
             <a:r>
-              <a:rPr lang="fr-FR" dirty="0" err="1" smtClean="0"/>
+              <a:rPr lang="fr-FR" dirty="0" err="1"/>
               <a:t>Teasing</a:t>
             </a:r>
             <a:r>
-              <a:rPr lang="fr-FR" dirty="0" smtClean="0"/>
+              <a:rPr lang="fr-FR" dirty="0"/>
               <a:t> (vidéos)</a:t>
             </a:r>
           </a:p>
           <a:p>
             <a:r>
-              <a:rPr lang="fr-FR" dirty="0" err="1" smtClean="0"/>
+              <a:rPr lang="fr-FR" dirty="0" err="1"/>
               <a:t>Unveilling</a:t>
             </a:r>
-            <a:endParaRPr lang="fr-FR" dirty="0" smtClean="0"/>
-          </a:p>
-          <a:p>
             <a:endParaRPr lang="fr-FR" dirty="0"/>
           </a:p>
           <a:p>
+            <a:endParaRPr lang="fr-FR" dirty="0"/>
+          </a:p>
+          <a:p>
             <a:pPr marL="0" indent="0">
               <a:buNone/>
             </a:pPr>
             <a:r>
-              <a:rPr lang="fr-FR" dirty="0" smtClean="0"/>
+              <a:rPr lang="fr-FR" dirty="0"/>
               <a:t>Durée totale : 30min + vidéos ~45min total</a:t>
             </a:r>
           </a:p>
           <a:p>
-            <a:endParaRPr lang="fr-FR" dirty="0" smtClean="0"/>
+            <a:endParaRPr lang="fr-FR" dirty="0"/>
           </a:p>
           <a:p>
             <a:endParaRPr lang="fr-FR" dirty="0"/>
@@ -4168,6 +4298,317 @@
     <p:extLst>
       <p:ext uri="{BB962C8B-B14F-4D97-AF65-F5344CB8AC3E}">
         <p14:creationId xmlns:p14="http://schemas.microsoft.com/office/powerpoint/2010/main" val="3373976301"/>
+      </p:ext>
+    </p:extLst>
+  </p:cSld>
+  <p:clrMapOvr>
+    <a:masterClrMapping/>
+  </p:clrMapOvr>
+</p:sld>
+</file>
+
+<file path=ppt/slides/slide7.xml><?xml version="1.0" encoding="utf-8"?>
+<p:sld xmlns:a="http://schemas.openxmlformats.org/drawingml/2006/main" xmlns:r="http://schemas.openxmlformats.org/officeDocument/2006/relationships" xmlns:p="http://schemas.openxmlformats.org/presentationml/2006/main">
+  <p:cSld>
+    <p:spTree>
+      <p:nvGrpSpPr>
+        <p:cNvPr id="1" name=""/>
+        <p:cNvGrpSpPr/>
+        <p:nvPr/>
+      </p:nvGrpSpPr>
+      <p:grpSpPr>
+        <a:xfrm>
+          <a:off x="0" y="0"/>
+          <a:ext cx="0" cy="0"/>
+          <a:chOff x="0" y="0"/>
+          <a:chExt cx="0" cy="0"/>
+        </a:xfrm>
+      </p:grpSpPr>
+      <p:sp>
+        <p:nvSpPr>
+          <p:cNvPr id="2" name="Titre 1"/>
+          <p:cNvSpPr>
+            <a:spLocks noGrp="1"/>
+          </p:cNvSpPr>
+          <p:nvPr>
+            <p:ph type="title"/>
+          </p:nvPr>
+        </p:nvSpPr>
+        <p:spPr/>
+        <p:txBody>
+          <a:bodyPr/>
+          <a:lstStyle/>
+          <a:p>
+            <a:r>
+              <a:rPr lang="fr-FR" dirty="0"/>
+              <a:t>QUI Inviter ?</a:t>
+            </a:r>
+          </a:p>
+        </p:txBody>
+      </p:sp>
+      <p:sp>
+        <p:nvSpPr>
+          <p:cNvPr id="5" name="Espace réservé du contenu 4"/>
+          <p:cNvSpPr>
+            <a:spLocks noGrp="1"/>
+          </p:cNvSpPr>
+          <p:nvPr>
+            <p:ph idx="1"/>
+          </p:nvPr>
+        </p:nvSpPr>
+        <p:spPr>
+          <a:xfrm>
+            <a:off x="1202919" y="2011679"/>
+            <a:ext cx="9784080" cy="4634155"/>
+          </a:xfrm>
+        </p:spPr>
+        <p:txBody>
+          <a:bodyPr>
+            <a:normAutofit fontScale="92500" lnSpcReduction="20000"/>
+          </a:bodyPr>
+          <a:lstStyle/>
+          <a:p>
+            <a:r>
+              <a:rPr lang="fr-FR" dirty="0"/>
+              <a:t>Présentation EPSA (3min) + vidéos</a:t>
+            </a:r>
+          </a:p>
+          <a:p>
+            <a:r>
+              <a:rPr lang="fr-FR" dirty="0"/>
+              <a:t>Retour rapide sur </a:t>
+            </a:r>
+            <a:r>
+              <a:rPr lang="fr-FR" dirty="0" err="1"/>
+              <a:t>Vulcanix</a:t>
+            </a:r>
+            <a:r>
+              <a:rPr lang="fr-FR" dirty="0"/>
+              <a:t> et les années précédentes (2min)</a:t>
+            </a:r>
+          </a:p>
+          <a:p>
+            <a:r>
+              <a:rPr lang="fr-FR" dirty="0"/>
+              <a:t>Présentation des objectifs de notre projet (4min)</a:t>
+            </a:r>
+          </a:p>
+          <a:p>
+            <a:r>
+              <a:rPr lang="fr-FR" dirty="0"/>
+              <a:t>Présentation de nos moyens (humains, financiers, matériels) (4min)</a:t>
+            </a:r>
+          </a:p>
+          <a:p>
+            <a:r>
+              <a:rPr lang="fr-FR" dirty="0"/>
+              <a:t>Présentation de la conception détaillée de chaque département (3min/</a:t>
+            </a:r>
+            <a:r>
+              <a:rPr lang="fr-FR" dirty="0" err="1"/>
+              <a:t>dep</a:t>
+            </a:r>
+            <a:r>
+              <a:rPr lang="fr-FR" dirty="0"/>
+              <a:t>)</a:t>
+            </a:r>
+          </a:p>
+          <a:p>
+            <a:r>
+              <a:rPr lang="fr-FR" dirty="0"/>
+              <a:t>Vidéo d’intégration (elle arrive ^^)</a:t>
+            </a:r>
+          </a:p>
+          <a:p>
+            <a:r>
+              <a:rPr lang="fr-FR" dirty="0"/>
+              <a:t>Rapide passage sur la </a:t>
+            </a:r>
+            <a:r>
+              <a:rPr lang="fr-FR" dirty="0" err="1"/>
+              <a:t>prod</a:t>
+            </a:r>
+            <a:r>
+              <a:rPr lang="fr-FR" dirty="0"/>
+              <a:t>, l’</a:t>
+            </a:r>
+            <a:r>
+              <a:rPr lang="fr-FR" dirty="0" err="1"/>
+              <a:t>integration</a:t>
+            </a:r>
+            <a:r>
+              <a:rPr lang="fr-FR" dirty="0"/>
+              <a:t> (3min)</a:t>
+            </a:r>
+          </a:p>
+          <a:p>
+            <a:r>
+              <a:rPr lang="fr-FR" dirty="0"/>
+              <a:t>Remerciement (2min)</a:t>
+            </a:r>
+          </a:p>
+          <a:p>
+            <a:r>
+              <a:rPr lang="fr-FR" dirty="0" err="1"/>
+              <a:t>Teasing</a:t>
+            </a:r>
+            <a:r>
+              <a:rPr lang="fr-FR" dirty="0"/>
+              <a:t> (vidéos)</a:t>
+            </a:r>
+          </a:p>
+          <a:p>
+            <a:r>
+              <a:rPr lang="fr-FR" dirty="0" err="1"/>
+              <a:t>Unveilling</a:t>
+            </a:r>
+            <a:endParaRPr lang="fr-FR" dirty="0"/>
+          </a:p>
+          <a:p>
+            <a:endParaRPr lang="fr-FR" dirty="0"/>
+          </a:p>
+          <a:p>
+            <a:pPr marL="0" indent="0">
+              <a:buNone/>
+            </a:pPr>
+            <a:r>
+              <a:rPr lang="fr-FR" dirty="0"/>
+              <a:t>Durée totale : 30min + vidéos ~45min total</a:t>
+            </a:r>
+          </a:p>
+          <a:p>
+            <a:endParaRPr lang="fr-FR" dirty="0"/>
+          </a:p>
+          <a:p>
+            <a:endParaRPr lang="fr-FR" dirty="0"/>
+          </a:p>
+        </p:txBody>
+      </p:sp>
+    </p:spTree>
+    <p:extLst>
+      <p:ext uri="{BB962C8B-B14F-4D97-AF65-F5344CB8AC3E}">
+        <p14:creationId xmlns:p14="http://schemas.microsoft.com/office/powerpoint/2010/main" val="769595796"/>
+      </p:ext>
+    </p:extLst>
+  </p:cSld>
+  <p:clrMapOvr>
+    <a:masterClrMapping/>
+  </p:clrMapOvr>
+</p:sld>
+</file>
+
+<file path=ppt/slides/slide8.xml><?xml version="1.0" encoding="utf-8"?>
+<p:sld xmlns:a="http://schemas.openxmlformats.org/drawingml/2006/main" xmlns:r="http://schemas.openxmlformats.org/officeDocument/2006/relationships" xmlns:p="http://schemas.openxmlformats.org/presentationml/2006/main">
+  <p:cSld>
+    <p:spTree>
+      <p:nvGrpSpPr>
+        <p:cNvPr id="1" name=""/>
+        <p:cNvGrpSpPr/>
+        <p:nvPr/>
+      </p:nvGrpSpPr>
+      <p:grpSpPr>
+        <a:xfrm>
+          <a:off x="0" y="0"/>
+          <a:ext cx="0" cy="0"/>
+          <a:chOff x="0" y="0"/>
+          <a:chExt cx="0" cy="0"/>
+        </a:xfrm>
+      </p:grpSpPr>
+      <p:sp>
+        <p:nvSpPr>
+          <p:cNvPr id="2" name="Titre 1"/>
+          <p:cNvSpPr>
+            <a:spLocks noGrp="1"/>
+          </p:cNvSpPr>
+          <p:nvPr>
+            <p:ph type="title"/>
+          </p:nvPr>
+        </p:nvSpPr>
+        <p:spPr/>
+        <p:txBody>
+          <a:bodyPr/>
+          <a:lstStyle/>
+          <a:p>
+            <a:r>
+              <a:rPr lang="fr-FR" dirty="0"/>
+              <a:t>Autres idées en vrac </a:t>
+            </a:r>
+          </a:p>
+        </p:txBody>
+      </p:sp>
+      <p:sp>
+        <p:nvSpPr>
+          <p:cNvPr id="5" name="Espace réservé du contenu 4"/>
+          <p:cNvSpPr>
+            <a:spLocks noGrp="1"/>
+          </p:cNvSpPr>
+          <p:nvPr>
+            <p:ph idx="1"/>
+          </p:nvPr>
+        </p:nvSpPr>
+        <p:spPr>
+          <a:xfrm>
+            <a:off x="1202919" y="2011679"/>
+            <a:ext cx="9784080" cy="4634155"/>
+          </a:xfrm>
+        </p:spPr>
+        <p:txBody>
+          <a:bodyPr>
+            <a:normAutofit/>
+          </a:bodyPr>
+          <a:lstStyle/>
+          <a:p>
+            <a:r>
+              <a:rPr lang="fr-FR" dirty="0"/>
+              <a:t>Petit mot de </a:t>
+            </a:r>
+            <a:r>
+              <a:rPr lang="fr-FR" dirty="0" err="1"/>
+              <a:t>debouck</a:t>
+            </a:r>
+            <a:endParaRPr lang="fr-FR" dirty="0"/>
+          </a:p>
+          <a:p>
+            <a:r>
+              <a:rPr lang="fr-FR" dirty="0"/>
+              <a:t>Invitation d’anciens </a:t>
+            </a:r>
+            <a:r>
+              <a:rPr lang="fr-FR" dirty="0" err="1"/>
+              <a:t>epsamens</a:t>
+            </a:r>
+            <a:endParaRPr lang="fr-FR" dirty="0"/>
+          </a:p>
+          <a:p>
+            <a:r>
+              <a:rPr lang="fr-FR" dirty="0"/>
+              <a:t>Roulage </a:t>
+            </a:r>
+          </a:p>
+          <a:p>
+            <a:r>
+              <a:rPr lang="fr-FR" dirty="0"/>
+              <a:t>Présence d’un max d’ancien véhicules</a:t>
+            </a:r>
+          </a:p>
+          <a:p>
+            <a:r>
+              <a:rPr lang="fr-FR" dirty="0"/>
+              <a:t>Invitation d’autres équipes FS françaises</a:t>
+            </a:r>
+          </a:p>
+          <a:p>
+            <a:endParaRPr lang="fr-FR" dirty="0"/>
+          </a:p>
+          <a:p>
+            <a:endParaRPr lang="fr-FR" dirty="0"/>
+          </a:p>
+        </p:txBody>
+      </p:sp>
+    </p:spTree>
+    <p:extLst>
+      <p:ext uri="{BB962C8B-B14F-4D97-AF65-F5344CB8AC3E}">
+        <p14:creationId xmlns:p14="http://schemas.microsoft.com/office/powerpoint/2010/main" val="1397630496"/>
       </p:ext>
     </p:extLst>
   </p:cSld>
